--- a/Functions/Functions.pptx
+++ b/Functions/Functions.pptx
@@ -3239,6 +3239,13 @@
   <p:clrMapOvr>
     <a:masterClrMapping/>
   </p:clrMapOvr>
+  <p:timing>
+    <p:tnLst>
+      <p:par>
+        <p:cTn id="1" dur="indefinite" restart="never" nodeType="tmRoot"/>
+      </p:par>
+    </p:tnLst>
+  </p:timing>
 </p:sld>
 </file>
 
@@ -3423,6 +3430,13 @@
   <p:clrMapOvr>
     <a:masterClrMapping/>
   </p:clrMapOvr>
+  <p:timing>
+    <p:tnLst>
+      <p:par>
+        <p:cTn id="1" dur="indefinite" restart="never" nodeType="tmRoot"/>
+      </p:par>
+    </p:tnLst>
+  </p:timing>
 </p:sld>
 </file>
 
@@ -3608,6 +3622,13 @@
   <p:clrMapOvr>
     <a:masterClrMapping/>
   </p:clrMapOvr>
+  <p:timing>
+    <p:tnLst>
+      <p:par>
+        <p:cTn id="1" dur="indefinite" restart="never" nodeType="tmRoot"/>
+      </p:par>
+    </p:tnLst>
+  </p:timing>
 </p:sld>
 </file>
 
@@ -4361,13 +4382,29 @@
           <a:p>
             <a:r>
               <a:rPr lang="en-IN" dirty="0" smtClean="0"/>
-              <a:t>RANK(): Assigns a unique rank to each row within a result set based on a specified column's values.</a:t>
+              <a:t>RANK</a:t>
+            </a:r>
+            <a:r>
+              <a:rPr lang="en-IN" dirty="0" smtClean="0"/>
+              <a:t>(): Assigns a unique rank to each row within a result set based on a specified column's values.</a:t>
             </a:r>
           </a:p>
           <a:p>
             <a:r>
               <a:rPr lang="en-IN" dirty="0" smtClean="0"/>
               <a:t>DENSE_RANK(): Assigns a unique rank to each row within a result set, with no gaps in ranking.</a:t>
+            </a:r>
+          </a:p>
+          <a:p>
+            <a:r>
+              <a:rPr lang="en-IN" dirty="0" smtClean="0"/>
+              <a:t>LEAD()</a:t>
+            </a:r>
+          </a:p>
+          <a:p>
+            <a:r>
+              <a:rPr lang="en-IN" dirty="0" smtClean="0"/>
+              <a:t>LAG()</a:t>
             </a:r>
             <a:endParaRPr lang="en-IN" dirty="0"/>
           </a:p>
@@ -4383,6 +4420,13 @@
   <p:clrMapOvr>
     <a:masterClrMapping/>
   </p:clrMapOvr>
+  <p:timing>
+    <p:tnLst>
+      <p:par>
+        <p:cTn id="1" dur="indefinite" restart="never" nodeType="tmRoot"/>
+      </p:par>
+    </p:tnLst>
+  </p:timing>
 </p:sld>
 </file>
 
